--- a/Unit 1 Measurement Skills/Day 7 Variables And Relationships/Lab Practice Activities.pptx
+++ b/Unit 1 Measurement Skills/Day 7 Variables And Relationships/Lab Practice Activities.pptx
@@ -8,6 +8,8 @@
     <p:sldId id="256" r:id="rId2"/>
     <p:sldId id="257" r:id="rId3"/>
     <p:sldId id="258" r:id="rId4"/>
+    <p:sldId id="260" r:id="rId5"/>
+    <p:sldId id="259" r:id="rId6"/>
   </p:sldIdLst>
   <p:sldSz cx="9144000" cy="6858000" type="screen4x3"/>
   <p:notesSz cx="6858000" cy="9144000"/>
@@ -106,6 +108,22 @@
       </a:defRPr>
     </a:lvl9pPr>
   </p:defaultTextStyle>
+  <p:extLst>
+    <p:ext uri="{EFAFB233-063F-42B5-8137-9DF3F51BA10A}">
+      <p15:sldGuideLst xmlns:p15="http://schemas.microsoft.com/office/powerpoint/2012/main">
+        <p15:guide id="1" orient="horz" pos="2160">
+          <p15:clr>
+            <a:srgbClr val="A4A3A4"/>
+          </p15:clr>
+        </p15:guide>
+        <p15:guide id="2" pos="2880">
+          <p15:clr>
+            <a:srgbClr val="A4A3A4"/>
+          </p15:clr>
+        </p15:guide>
+      </p15:sldGuideLst>
+    </p:ext>
+  </p:extLst>
 </p:presentation>
 </file>
 
@@ -291,7 +309,7 @@
             <a:fld id="{1D8BD707-D9CF-40AE-B4C6-C98DA3205C09}" type="datetimeFigureOut">
               <a:rPr lang="en-US" smtClean="0"/>
               <a:pPr/>
-              <a:t>2/7/2016</a:t>
+              <a:t>9/16/2019</a:t>
             </a:fld>
             <a:endParaRPr lang="en-US"/>
           </a:p>
@@ -458,7 +476,7 @@
             <a:fld id="{1D8BD707-D9CF-40AE-B4C6-C98DA3205C09}" type="datetimeFigureOut">
               <a:rPr lang="en-US" smtClean="0"/>
               <a:pPr/>
-              <a:t>2/7/2016</a:t>
+              <a:t>9/16/2019</a:t>
             </a:fld>
             <a:endParaRPr lang="en-US"/>
           </a:p>
@@ -635,7 +653,7 @@
             <a:fld id="{1D8BD707-D9CF-40AE-B4C6-C98DA3205C09}" type="datetimeFigureOut">
               <a:rPr lang="en-US" smtClean="0"/>
               <a:pPr/>
-              <a:t>2/7/2016</a:t>
+              <a:t>9/16/2019</a:t>
             </a:fld>
             <a:endParaRPr lang="en-US"/>
           </a:p>
@@ -802,7 +820,7 @@
             <a:fld id="{1D8BD707-D9CF-40AE-B4C6-C98DA3205C09}" type="datetimeFigureOut">
               <a:rPr lang="en-US" smtClean="0"/>
               <a:pPr/>
-              <a:t>2/7/2016</a:t>
+              <a:t>9/16/2019</a:t>
             </a:fld>
             <a:endParaRPr lang="en-US"/>
           </a:p>
@@ -1045,7 +1063,7 @@
             <a:fld id="{1D8BD707-D9CF-40AE-B4C6-C98DA3205C09}" type="datetimeFigureOut">
               <a:rPr lang="en-US" smtClean="0"/>
               <a:pPr/>
-              <a:t>2/7/2016</a:t>
+              <a:t>9/16/2019</a:t>
             </a:fld>
             <a:endParaRPr lang="en-US"/>
           </a:p>
@@ -1330,7 +1348,7 @@
             <a:fld id="{1D8BD707-D9CF-40AE-B4C6-C98DA3205C09}" type="datetimeFigureOut">
               <a:rPr lang="en-US" smtClean="0"/>
               <a:pPr/>
-              <a:t>2/7/2016</a:t>
+              <a:t>9/16/2019</a:t>
             </a:fld>
             <a:endParaRPr lang="en-US"/>
           </a:p>
@@ -1749,7 +1767,7 @@
             <a:fld id="{1D8BD707-D9CF-40AE-B4C6-C98DA3205C09}" type="datetimeFigureOut">
               <a:rPr lang="en-US" smtClean="0"/>
               <a:pPr/>
-              <a:t>2/7/2016</a:t>
+              <a:t>9/16/2019</a:t>
             </a:fld>
             <a:endParaRPr lang="en-US"/>
           </a:p>
@@ -1864,7 +1882,7 @@
             <a:fld id="{1D8BD707-D9CF-40AE-B4C6-C98DA3205C09}" type="datetimeFigureOut">
               <a:rPr lang="en-US" smtClean="0"/>
               <a:pPr/>
-              <a:t>2/7/2016</a:t>
+              <a:t>9/16/2019</a:t>
             </a:fld>
             <a:endParaRPr lang="en-US"/>
           </a:p>
@@ -1956,7 +1974,7 @@
             <a:fld id="{1D8BD707-D9CF-40AE-B4C6-C98DA3205C09}" type="datetimeFigureOut">
               <a:rPr lang="en-US" smtClean="0"/>
               <a:pPr/>
-              <a:t>2/7/2016</a:t>
+              <a:t>9/16/2019</a:t>
             </a:fld>
             <a:endParaRPr lang="en-US"/>
           </a:p>
@@ -2230,7 +2248,7 @@
             <a:fld id="{1D8BD707-D9CF-40AE-B4C6-C98DA3205C09}" type="datetimeFigureOut">
               <a:rPr lang="en-US" smtClean="0"/>
               <a:pPr/>
-              <a:t>2/7/2016</a:t>
+              <a:t>9/16/2019</a:t>
             </a:fld>
             <a:endParaRPr lang="en-US"/>
           </a:p>
@@ -2480,7 +2498,7 @@
             <a:fld id="{1D8BD707-D9CF-40AE-B4C6-C98DA3205C09}" type="datetimeFigureOut">
               <a:rPr lang="en-US" smtClean="0"/>
               <a:pPr/>
-              <a:t>2/7/2016</a:t>
+              <a:t>9/16/2019</a:t>
             </a:fld>
             <a:endParaRPr lang="en-US"/>
           </a:p>
@@ -2690,7 +2708,7 @@
             <a:fld id="{1D8BD707-D9CF-40AE-B4C6-C98DA3205C09}" type="datetimeFigureOut">
               <a:rPr lang="en-US" smtClean="0"/>
               <a:pPr/>
-              <a:t>2/7/2016</a:t>
+              <a:t>9/16/2019</a:t>
             </a:fld>
             <a:endParaRPr lang="en-US"/>
           </a:p>
@@ -3304,6 +3322,1107 @@
           <p:cNvGraphicFramePr>
             <a:graphicFrameLocks noGrp="1"/>
           </p:cNvGraphicFramePr>
+          <p:nvPr>
+            <p:extLst>
+              <p:ext uri="{D42A27DB-BD31-4B8C-83A1-F6EECF244321}">
+                <p14:modId xmlns:p14="http://schemas.microsoft.com/office/powerpoint/2010/main" val="2102338041"/>
+              </p:ext>
+            </p:extLst>
+          </p:nvPr>
+        </p:nvGraphicFramePr>
+        <p:xfrm>
+          <a:off x="1828800" y="3048000"/>
+          <a:ext cx="2286000" cy="2494280"/>
+        </p:xfrm>
+        <a:graphic>
+          <a:graphicData uri="http://schemas.openxmlformats.org/drawingml/2006/table">
+            <a:tbl>
+              <a:tblPr firstRow="1" bandRow="1">
+                <a:tableStyleId>{5940675A-B579-460E-94D1-54222C63F5DA}</a:tableStyleId>
+              </a:tblPr>
+              <a:tblGrid>
+                <a:gridCol w="1143000">
+                  <a:extLst>
+                    <a:ext uri="{9D8B030D-6E8A-4147-A177-3AD203B41FA5}">
+                      <a16:colId xmlns:a16="http://schemas.microsoft.com/office/drawing/2014/main" val="20000"/>
+                    </a:ext>
+                  </a:extLst>
+                </a:gridCol>
+                <a:gridCol w="1143000">
+                  <a:extLst>
+                    <a:ext uri="{9D8B030D-6E8A-4147-A177-3AD203B41FA5}">
+                      <a16:colId xmlns:a16="http://schemas.microsoft.com/office/drawing/2014/main" val="20001"/>
+                    </a:ext>
+                  </a:extLst>
+                </a:gridCol>
+              </a:tblGrid>
+              <a:tr h="370840">
+                <a:tc>
+                  <a:txBody>
+                    <a:bodyPr/>
+                    <a:lstStyle/>
+                    <a:p>
+                      <a:pPr algn="ctr"/>
+                      <a:r>
+                        <a:rPr lang="en-US" b="1" dirty="0" smtClean="0"/>
+                        <a:t>Time </a:t>
+                      </a:r>
+                    </a:p>
+                    <a:p>
+                      <a:pPr algn="ctr"/>
+                      <a:r>
+                        <a:rPr lang="en-US" b="1" dirty="0" smtClean="0"/>
+                        <a:t>(s)</a:t>
+                      </a:r>
+                      <a:endParaRPr lang="en-US" b="1" dirty="0"/>
+                    </a:p>
+                  </a:txBody>
+                  <a:tcPr/>
+                </a:tc>
+                <a:tc>
+                  <a:txBody>
+                    <a:bodyPr/>
+                    <a:lstStyle/>
+                    <a:p>
+                      <a:pPr algn="ctr"/>
+                      <a:r>
+                        <a:rPr lang="en-US" b="1" dirty="0" smtClean="0"/>
+                        <a:t>Distance (m)</a:t>
+                      </a:r>
+                      <a:endParaRPr lang="en-US" b="1" dirty="0"/>
+                    </a:p>
+                  </a:txBody>
+                  <a:tcPr/>
+                </a:tc>
+                <a:extLst>
+                  <a:ext uri="{0D108BD9-81ED-4DB2-BD59-A6C34878D82A}">
+                    <a16:rowId xmlns:a16="http://schemas.microsoft.com/office/drawing/2014/main" val="10000"/>
+                  </a:ext>
+                </a:extLst>
+              </a:tr>
+              <a:tr h="370840">
+                <a:tc>
+                  <a:txBody>
+                    <a:bodyPr/>
+                    <a:lstStyle/>
+                    <a:p>
+                      <a:pPr algn="ctr"/>
+                      <a:r>
+                        <a:rPr lang="en-US" dirty="0" smtClean="0"/>
+                        <a:t>1</a:t>
+                      </a:r>
+                      <a:endParaRPr lang="en-US" dirty="0"/>
+                    </a:p>
+                  </a:txBody>
+                  <a:tcPr/>
+                </a:tc>
+                <a:tc>
+                  <a:txBody>
+                    <a:bodyPr/>
+                    <a:lstStyle/>
+                    <a:p>
+                      <a:pPr algn="ctr"/>
+                      <a:r>
+                        <a:rPr lang="en-US" dirty="0" smtClean="0"/>
+                        <a:t>1</a:t>
+                      </a:r>
+                      <a:endParaRPr lang="en-US" dirty="0"/>
+                    </a:p>
+                  </a:txBody>
+                  <a:tcPr/>
+                </a:tc>
+                <a:extLst>
+                  <a:ext uri="{0D108BD9-81ED-4DB2-BD59-A6C34878D82A}">
+                    <a16:rowId xmlns:a16="http://schemas.microsoft.com/office/drawing/2014/main" val="10001"/>
+                  </a:ext>
+                </a:extLst>
+              </a:tr>
+              <a:tr h="370840">
+                <a:tc>
+                  <a:txBody>
+                    <a:bodyPr/>
+                    <a:lstStyle/>
+                    <a:p>
+                      <a:pPr algn="ctr"/>
+                      <a:r>
+                        <a:rPr lang="en-US" dirty="0" smtClean="0"/>
+                        <a:t>2</a:t>
+                      </a:r>
+                      <a:endParaRPr lang="en-US" dirty="0"/>
+                    </a:p>
+                  </a:txBody>
+                  <a:tcPr/>
+                </a:tc>
+                <a:tc>
+                  <a:txBody>
+                    <a:bodyPr/>
+                    <a:lstStyle/>
+                    <a:p>
+                      <a:pPr algn="ctr"/>
+                      <a:r>
+                        <a:rPr lang="en-US" dirty="0" smtClean="0"/>
+                        <a:t>3</a:t>
+                      </a:r>
+                      <a:endParaRPr lang="en-US" dirty="0"/>
+                    </a:p>
+                  </a:txBody>
+                  <a:tcPr/>
+                </a:tc>
+                <a:extLst>
+                  <a:ext uri="{0D108BD9-81ED-4DB2-BD59-A6C34878D82A}">
+                    <a16:rowId xmlns:a16="http://schemas.microsoft.com/office/drawing/2014/main" val="10002"/>
+                  </a:ext>
+                </a:extLst>
+              </a:tr>
+              <a:tr h="370840">
+                <a:tc>
+                  <a:txBody>
+                    <a:bodyPr/>
+                    <a:lstStyle/>
+                    <a:p>
+                      <a:pPr algn="ctr"/>
+                      <a:r>
+                        <a:rPr lang="en-US" dirty="0" smtClean="0"/>
+                        <a:t>3</a:t>
+                      </a:r>
+                      <a:endParaRPr lang="en-US" dirty="0"/>
+                    </a:p>
+                  </a:txBody>
+                  <a:tcPr/>
+                </a:tc>
+                <a:tc>
+                  <a:txBody>
+                    <a:bodyPr/>
+                    <a:lstStyle/>
+                    <a:p>
+                      <a:pPr algn="ctr"/>
+                      <a:r>
+                        <a:rPr lang="en-US" dirty="0" smtClean="0"/>
+                        <a:t>8</a:t>
+                      </a:r>
+                      <a:endParaRPr lang="en-US" dirty="0"/>
+                    </a:p>
+                  </a:txBody>
+                  <a:tcPr/>
+                </a:tc>
+                <a:extLst>
+                  <a:ext uri="{0D108BD9-81ED-4DB2-BD59-A6C34878D82A}">
+                    <a16:rowId xmlns:a16="http://schemas.microsoft.com/office/drawing/2014/main" val="10003"/>
+                  </a:ext>
+                </a:extLst>
+              </a:tr>
+              <a:tr h="370840">
+                <a:tc>
+                  <a:txBody>
+                    <a:bodyPr/>
+                    <a:lstStyle/>
+                    <a:p>
+                      <a:pPr algn="ctr"/>
+                      <a:r>
+                        <a:rPr lang="en-US" dirty="0" smtClean="0"/>
+                        <a:t>4</a:t>
+                      </a:r>
+                      <a:endParaRPr lang="en-US" dirty="0"/>
+                    </a:p>
+                  </a:txBody>
+                  <a:tcPr/>
+                </a:tc>
+                <a:tc>
+                  <a:txBody>
+                    <a:bodyPr/>
+                    <a:lstStyle/>
+                    <a:p>
+                      <a:pPr algn="ctr"/>
+                      <a:r>
+                        <a:rPr lang="en-US" dirty="0" smtClean="0"/>
+                        <a:t>15</a:t>
+                      </a:r>
+                      <a:endParaRPr lang="en-US" dirty="0"/>
+                    </a:p>
+                  </a:txBody>
+                  <a:tcPr/>
+                </a:tc>
+                <a:extLst>
+                  <a:ext uri="{0D108BD9-81ED-4DB2-BD59-A6C34878D82A}">
+                    <a16:rowId xmlns:a16="http://schemas.microsoft.com/office/drawing/2014/main" val="10004"/>
+                  </a:ext>
+                </a:extLst>
+              </a:tr>
+              <a:tr h="370840">
+                <a:tc>
+                  <a:txBody>
+                    <a:bodyPr/>
+                    <a:lstStyle/>
+                    <a:p>
+                      <a:pPr algn="ctr"/>
+                      <a:r>
+                        <a:rPr lang="en-US" dirty="0" smtClean="0"/>
+                        <a:t>5</a:t>
+                      </a:r>
+                      <a:endParaRPr lang="en-US" dirty="0"/>
+                    </a:p>
+                  </a:txBody>
+                  <a:tcPr/>
+                </a:tc>
+                <a:tc>
+                  <a:txBody>
+                    <a:bodyPr/>
+                    <a:lstStyle/>
+                    <a:p>
+                      <a:pPr algn="ctr"/>
+                      <a:r>
+                        <a:rPr lang="en-US" dirty="0" smtClean="0"/>
+                        <a:t>24</a:t>
+                      </a:r>
+                      <a:endParaRPr lang="en-US" dirty="0"/>
+                    </a:p>
+                  </a:txBody>
+                  <a:tcPr/>
+                </a:tc>
+                <a:extLst>
+                  <a:ext uri="{0D108BD9-81ED-4DB2-BD59-A6C34878D82A}">
+                    <a16:rowId xmlns:a16="http://schemas.microsoft.com/office/drawing/2014/main" val="10005"/>
+                  </a:ext>
+                </a:extLst>
+              </a:tr>
+            </a:tbl>
+          </a:graphicData>
+        </a:graphic>
+      </p:graphicFrame>
+      <p:sp>
+        <p:nvSpPr>
+          <p:cNvPr id="6" name="TextBox 5"/>
+          <p:cNvSpPr txBox="1"/>
+          <p:nvPr/>
+        </p:nvSpPr>
+        <p:spPr>
+          <a:xfrm>
+            <a:off x="1219200" y="3048000"/>
+            <a:ext cx="506870" cy="584775"/>
+          </a:xfrm>
+          <a:prstGeom prst="rect">
+            <a:avLst/>
+          </a:prstGeom>
+          <a:noFill/>
+        </p:spPr>
+        <p:txBody>
+          <a:bodyPr wrap="none" rtlCol="0">
+            <a:spAutoFit/>
+          </a:bodyPr>
+          <a:lstStyle/>
+          <a:p>
+            <a:r>
+              <a:rPr lang="en-US" sz="3200" dirty="0" smtClean="0"/>
+              <a:t>a)</a:t>
+            </a:r>
+            <a:endParaRPr lang="en-US" sz="3200" dirty="0"/>
+          </a:p>
+        </p:txBody>
+      </p:sp>
+      <p:sp>
+        <p:nvSpPr>
+          <p:cNvPr id="7" name="TextBox 6"/>
+          <p:cNvSpPr txBox="1"/>
+          <p:nvPr/>
+        </p:nvSpPr>
+        <p:spPr>
+          <a:xfrm>
+            <a:off x="4953000" y="3048000"/>
+            <a:ext cx="526106" cy="584775"/>
+          </a:xfrm>
+          <a:prstGeom prst="rect">
+            <a:avLst/>
+          </a:prstGeom>
+          <a:noFill/>
+        </p:spPr>
+        <p:txBody>
+          <a:bodyPr wrap="none" rtlCol="0">
+            <a:spAutoFit/>
+          </a:bodyPr>
+          <a:lstStyle/>
+          <a:p>
+            <a:r>
+              <a:rPr lang="en-US" sz="3200" dirty="0" smtClean="0"/>
+              <a:t>b)</a:t>
+            </a:r>
+            <a:endParaRPr lang="en-US" sz="3200" dirty="0"/>
+          </a:p>
+        </p:txBody>
+      </p:sp>
+    </p:spTree>
+  </p:cSld>
+  <p:clrMapOvr>
+    <a:masterClrMapping/>
+  </p:clrMapOvr>
+</p:sld>
+</file>
+
+<file path=ppt/slides/slide4.xml><?xml version="1.0" encoding="utf-8"?>
+<p:sld xmlns:a="http://schemas.openxmlformats.org/drawingml/2006/main" xmlns:r="http://schemas.openxmlformats.org/officeDocument/2006/relationships" xmlns:p="http://schemas.openxmlformats.org/presentationml/2006/main">
+  <p:cSld>
+    <p:spTree>
+      <p:nvGrpSpPr>
+        <p:cNvPr id="1" name=""/>
+        <p:cNvGrpSpPr/>
+        <p:nvPr/>
+      </p:nvGrpSpPr>
+      <p:grpSpPr>
+        <a:xfrm>
+          <a:off x="0" y="0"/>
+          <a:ext cx="0" cy="0"/>
+          <a:chOff x="0" y="0"/>
+          <a:chExt cx="0" cy="0"/>
+        </a:xfrm>
+      </p:grpSpPr>
+      <p:sp>
+        <p:nvSpPr>
+          <p:cNvPr id="2" name="Title 1"/>
+          <p:cNvSpPr>
+            <a:spLocks noGrp="1"/>
+          </p:cNvSpPr>
+          <p:nvPr>
+            <p:ph type="title"/>
+          </p:nvPr>
+        </p:nvSpPr>
+        <p:spPr/>
+        <p:txBody>
+          <a:bodyPr/>
+          <a:lstStyle/>
+          <a:p>
+            <a:r>
+              <a:rPr lang="en-US" dirty="0" smtClean="0"/>
+              <a:t>Lab practice Activities</a:t>
+            </a:r>
+            <a:endParaRPr lang="en-US" dirty="0"/>
+          </a:p>
+        </p:txBody>
+      </p:sp>
+      <p:sp>
+        <p:nvSpPr>
+          <p:cNvPr id="3" name="Content Placeholder 2"/>
+          <p:cNvSpPr>
+            <a:spLocks noGrp="1"/>
+          </p:cNvSpPr>
+          <p:nvPr>
+            <p:ph idx="1"/>
+          </p:nvPr>
+        </p:nvSpPr>
+        <p:spPr>
+          <a:xfrm>
+            <a:off x="457200" y="1600201"/>
+            <a:ext cx="8229600" cy="1143000"/>
+          </a:xfrm>
+        </p:spPr>
+        <p:txBody>
+          <a:bodyPr/>
+          <a:lstStyle/>
+          <a:p>
+            <a:pPr marL="514350" indent="-514350">
+              <a:buFont typeface="+mj-lt"/>
+              <a:buAutoNum type="arabicPeriod" startAt="4"/>
+            </a:pPr>
+            <a:r>
+              <a:rPr lang="en-US" dirty="0" smtClean="0"/>
+              <a:t>For each set of data, quickly sketch the graph and determine the relationship.</a:t>
+            </a:r>
+            <a:endParaRPr lang="en-US" dirty="0"/>
+          </a:p>
+        </p:txBody>
+      </p:sp>
+      <p:graphicFrame>
+        <p:nvGraphicFramePr>
+          <p:cNvPr id="4" name="Table 3"/>
+          <p:cNvGraphicFramePr>
+            <a:graphicFrameLocks noGrp="1"/>
+          </p:cNvGraphicFramePr>
+          <p:nvPr>
+            <p:extLst>
+              <p:ext uri="{D42A27DB-BD31-4B8C-83A1-F6EECF244321}">
+                <p14:modId xmlns:p14="http://schemas.microsoft.com/office/powerpoint/2010/main" val="2102338041"/>
+              </p:ext>
+            </p:extLst>
+          </p:nvPr>
+        </p:nvGraphicFramePr>
+        <p:xfrm>
+          <a:off x="1828800" y="3048000"/>
+          <a:ext cx="2286000" cy="2494280"/>
+        </p:xfrm>
+        <a:graphic>
+          <a:graphicData uri="http://schemas.openxmlformats.org/drawingml/2006/table">
+            <a:tbl>
+              <a:tblPr firstRow="1" bandRow="1">
+                <a:tableStyleId>{5940675A-B579-460E-94D1-54222C63F5DA}</a:tableStyleId>
+              </a:tblPr>
+              <a:tblGrid>
+                <a:gridCol w="1143000">
+                  <a:extLst>
+                    <a:ext uri="{9D8B030D-6E8A-4147-A177-3AD203B41FA5}">
+                      <a16:colId xmlns:a16="http://schemas.microsoft.com/office/drawing/2014/main" val="20000"/>
+                    </a:ext>
+                  </a:extLst>
+                </a:gridCol>
+                <a:gridCol w="1143000">
+                  <a:extLst>
+                    <a:ext uri="{9D8B030D-6E8A-4147-A177-3AD203B41FA5}">
+                      <a16:colId xmlns:a16="http://schemas.microsoft.com/office/drawing/2014/main" val="20001"/>
+                    </a:ext>
+                  </a:extLst>
+                </a:gridCol>
+              </a:tblGrid>
+              <a:tr h="370840">
+                <a:tc>
+                  <a:txBody>
+                    <a:bodyPr/>
+                    <a:lstStyle/>
+                    <a:p>
+                      <a:pPr algn="ctr"/>
+                      <a:r>
+                        <a:rPr lang="en-US" b="1" dirty="0" smtClean="0"/>
+                        <a:t>Time </a:t>
+                      </a:r>
+                    </a:p>
+                    <a:p>
+                      <a:pPr algn="ctr"/>
+                      <a:r>
+                        <a:rPr lang="en-US" b="1" dirty="0" smtClean="0"/>
+                        <a:t>(s)</a:t>
+                      </a:r>
+                      <a:endParaRPr lang="en-US" b="1" dirty="0"/>
+                    </a:p>
+                  </a:txBody>
+                  <a:tcPr/>
+                </a:tc>
+                <a:tc>
+                  <a:txBody>
+                    <a:bodyPr/>
+                    <a:lstStyle/>
+                    <a:p>
+                      <a:pPr algn="ctr"/>
+                      <a:r>
+                        <a:rPr lang="en-US" b="1" dirty="0" smtClean="0"/>
+                        <a:t>Distance (m)</a:t>
+                      </a:r>
+                      <a:endParaRPr lang="en-US" b="1" dirty="0"/>
+                    </a:p>
+                  </a:txBody>
+                  <a:tcPr/>
+                </a:tc>
+                <a:extLst>
+                  <a:ext uri="{0D108BD9-81ED-4DB2-BD59-A6C34878D82A}">
+                    <a16:rowId xmlns:a16="http://schemas.microsoft.com/office/drawing/2014/main" val="10000"/>
+                  </a:ext>
+                </a:extLst>
+              </a:tr>
+              <a:tr h="370840">
+                <a:tc>
+                  <a:txBody>
+                    <a:bodyPr/>
+                    <a:lstStyle/>
+                    <a:p>
+                      <a:pPr algn="ctr"/>
+                      <a:r>
+                        <a:rPr lang="en-US" dirty="0" smtClean="0"/>
+                        <a:t>1</a:t>
+                      </a:r>
+                      <a:endParaRPr lang="en-US" dirty="0"/>
+                    </a:p>
+                  </a:txBody>
+                  <a:tcPr/>
+                </a:tc>
+                <a:tc>
+                  <a:txBody>
+                    <a:bodyPr/>
+                    <a:lstStyle/>
+                    <a:p>
+                      <a:pPr algn="ctr"/>
+                      <a:r>
+                        <a:rPr lang="en-US" dirty="0" smtClean="0"/>
+                        <a:t>1</a:t>
+                      </a:r>
+                      <a:endParaRPr lang="en-US" dirty="0"/>
+                    </a:p>
+                  </a:txBody>
+                  <a:tcPr/>
+                </a:tc>
+                <a:extLst>
+                  <a:ext uri="{0D108BD9-81ED-4DB2-BD59-A6C34878D82A}">
+                    <a16:rowId xmlns:a16="http://schemas.microsoft.com/office/drawing/2014/main" val="10001"/>
+                  </a:ext>
+                </a:extLst>
+              </a:tr>
+              <a:tr h="370840">
+                <a:tc>
+                  <a:txBody>
+                    <a:bodyPr/>
+                    <a:lstStyle/>
+                    <a:p>
+                      <a:pPr algn="ctr"/>
+                      <a:r>
+                        <a:rPr lang="en-US" dirty="0" smtClean="0"/>
+                        <a:t>2</a:t>
+                      </a:r>
+                      <a:endParaRPr lang="en-US" dirty="0"/>
+                    </a:p>
+                  </a:txBody>
+                  <a:tcPr/>
+                </a:tc>
+                <a:tc>
+                  <a:txBody>
+                    <a:bodyPr/>
+                    <a:lstStyle/>
+                    <a:p>
+                      <a:pPr algn="ctr"/>
+                      <a:r>
+                        <a:rPr lang="en-US" dirty="0" smtClean="0"/>
+                        <a:t>3</a:t>
+                      </a:r>
+                      <a:endParaRPr lang="en-US" dirty="0"/>
+                    </a:p>
+                  </a:txBody>
+                  <a:tcPr/>
+                </a:tc>
+                <a:extLst>
+                  <a:ext uri="{0D108BD9-81ED-4DB2-BD59-A6C34878D82A}">
+                    <a16:rowId xmlns:a16="http://schemas.microsoft.com/office/drawing/2014/main" val="10002"/>
+                  </a:ext>
+                </a:extLst>
+              </a:tr>
+              <a:tr h="370840">
+                <a:tc>
+                  <a:txBody>
+                    <a:bodyPr/>
+                    <a:lstStyle/>
+                    <a:p>
+                      <a:pPr algn="ctr"/>
+                      <a:r>
+                        <a:rPr lang="en-US" dirty="0" smtClean="0"/>
+                        <a:t>3</a:t>
+                      </a:r>
+                      <a:endParaRPr lang="en-US" dirty="0"/>
+                    </a:p>
+                  </a:txBody>
+                  <a:tcPr/>
+                </a:tc>
+                <a:tc>
+                  <a:txBody>
+                    <a:bodyPr/>
+                    <a:lstStyle/>
+                    <a:p>
+                      <a:pPr algn="ctr"/>
+                      <a:r>
+                        <a:rPr lang="en-US" dirty="0" smtClean="0"/>
+                        <a:t>8</a:t>
+                      </a:r>
+                      <a:endParaRPr lang="en-US" dirty="0"/>
+                    </a:p>
+                  </a:txBody>
+                  <a:tcPr/>
+                </a:tc>
+                <a:extLst>
+                  <a:ext uri="{0D108BD9-81ED-4DB2-BD59-A6C34878D82A}">
+                    <a16:rowId xmlns:a16="http://schemas.microsoft.com/office/drawing/2014/main" val="10003"/>
+                  </a:ext>
+                </a:extLst>
+              </a:tr>
+              <a:tr h="370840">
+                <a:tc>
+                  <a:txBody>
+                    <a:bodyPr/>
+                    <a:lstStyle/>
+                    <a:p>
+                      <a:pPr algn="ctr"/>
+                      <a:r>
+                        <a:rPr lang="en-US" dirty="0" smtClean="0"/>
+                        <a:t>4</a:t>
+                      </a:r>
+                      <a:endParaRPr lang="en-US" dirty="0"/>
+                    </a:p>
+                  </a:txBody>
+                  <a:tcPr/>
+                </a:tc>
+                <a:tc>
+                  <a:txBody>
+                    <a:bodyPr/>
+                    <a:lstStyle/>
+                    <a:p>
+                      <a:pPr algn="ctr"/>
+                      <a:r>
+                        <a:rPr lang="en-US" dirty="0" smtClean="0"/>
+                        <a:t>15</a:t>
+                      </a:r>
+                      <a:endParaRPr lang="en-US" dirty="0"/>
+                    </a:p>
+                  </a:txBody>
+                  <a:tcPr/>
+                </a:tc>
+                <a:extLst>
+                  <a:ext uri="{0D108BD9-81ED-4DB2-BD59-A6C34878D82A}">
+                    <a16:rowId xmlns:a16="http://schemas.microsoft.com/office/drawing/2014/main" val="10004"/>
+                  </a:ext>
+                </a:extLst>
+              </a:tr>
+              <a:tr h="370840">
+                <a:tc>
+                  <a:txBody>
+                    <a:bodyPr/>
+                    <a:lstStyle/>
+                    <a:p>
+                      <a:pPr algn="ctr"/>
+                      <a:r>
+                        <a:rPr lang="en-US" dirty="0" smtClean="0"/>
+                        <a:t>5</a:t>
+                      </a:r>
+                      <a:endParaRPr lang="en-US" dirty="0"/>
+                    </a:p>
+                  </a:txBody>
+                  <a:tcPr/>
+                </a:tc>
+                <a:tc>
+                  <a:txBody>
+                    <a:bodyPr/>
+                    <a:lstStyle/>
+                    <a:p>
+                      <a:pPr algn="ctr"/>
+                      <a:r>
+                        <a:rPr lang="en-US" dirty="0" smtClean="0"/>
+                        <a:t>24</a:t>
+                      </a:r>
+                      <a:endParaRPr lang="en-US" dirty="0"/>
+                    </a:p>
+                  </a:txBody>
+                  <a:tcPr/>
+                </a:tc>
+                <a:extLst>
+                  <a:ext uri="{0D108BD9-81ED-4DB2-BD59-A6C34878D82A}">
+                    <a16:rowId xmlns:a16="http://schemas.microsoft.com/office/drawing/2014/main" val="10005"/>
+                  </a:ext>
+                </a:extLst>
+              </a:tr>
+            </a:tbl>
+          </a:graphicData>
+        </a:graphic>
+      </p:graphicFrame>
+      <p:graphicFrame>
+        <p:nvGraphicFramePr>
+          <p:cNvPr id="5" name="Table 4"/>
+          <p:cNvGraphicFramePr>
+            <a:graphicFrameLocks noGrp="1"/>
+          </p:cNvGraphicFramePr>
+          <p:nvPr>
+            <p:extLst>
+              <p:ext uri="{D42A27DB-BD31-4B8C-83A1-F6EECF244321}">
+                <p14:modId xmlns:p14="http://schemas.microsoft.com/office/powerpoint/2010/main" val="3260111680"/>
+              </p:ext>
+            </p:extLst>
+          </p:nvPr>
+        </p:nvGraphicFramePr>
+        <p:xfrm>
+          <a:off x="5562600" y="3032760"/>
+          <a:ext cx="1905000" cy="2494280"/>
+        </p:xfrm>
+        <a:graphic>
+          <a:graphicData uri="http://schemas.openxmlformats.org/drawingml/2006/table">
+            <a:tbl>
+              <a:tblPr firstRow="1" bandRow="1">
+                <a:tableStyleId>{5940675A-B579-460E-94D1-54222C63F5DA}</a:tableStyleId>
+              </a:tblPr>
+              <a:tblGrid>
+                <a:gridCol w="952500">
+                  <a:extLst>
+                    <a:ext uri="{9D8B030D-6E8A-4147-A177-3AD203B41FA5}">
+                      <a16:colId xmlns:a16="http://schemas.microsoft.com/office/drawing/2014/main" val="20000"/>
+                    </a:ext>
+                  </a:extLst>
+                </a:gridCol>
+                <a:gridCol w="952500">
+                  <a:extLst>
+                    <a:ext uri="{9D8B030D-6E8A-4147-A177-3AD203B41FA5}">
+                      <a16:colId xmlns:a16="http://schemas.microsoft.com/office/drawing/2014/main" val="20001"/>
+                    </a:ext>
+                  </a:extLst>
+                </a:gridCol>
+              </a:tblGrid>
+              <a:tr h="370840">
+                <a:tc>
+                  <a:txBody>
+                    <a:bodyPr/>
+                    <a:lstStyle/>
+                    <a:p>
+                      <a:pPr algn="ctr"/>
+                      <a:r>
+                        <a:rPr lang="en-CA" b="1" dirty="0" smtClean="0"/>
+                        <a:t>Length</a:t>
+                      </a:r>
+                      <a:r>
+                        <a:rPr lang="en-CA" b="1" baseline="0" dirty="0" smtClean="0"/>
+                        <a:t> (cm)</a:t>
+                      </a:r>
+                      <a:endParaRPr lang="en-US" b="1" dirty="0"/>
+                    </a:p>
+                  </a:txBody>
+                  <a:tcPr/>
+                </a:tc>
+                <a:tc>
+                  <a:txBody>
+                    <a:bodyPr/>
+                    <a:lstStyle/>
+                    <a:p>
+                      <a:pPr algn="ctr"/>
+                      <a:r>
+                        <a:rPr lang="en-US" b="1" dirty="0" smtClean="0"/>
+                        <a:t>Force (N)</a:t>
+                      </a:r>
+                      <a:endParaRPr lang="en-US" b="1" dirty="0"/>
+                    </a:p>
+                  </a:txBody>
+                  <a:tcPr/>
+                </a:tc>
+                <a:extLst>
+                  <a:ext uri="{0D108BD9-81ED-4DB2-BD59-A6C34878D82A}">
+                    <a16:rowId xmlns:a16="http://schemas.microsoft.com/office/drawing/2014/main" val="10000"/>
+                  </a:ext>
+                </a:extLst>
+              </a:tr>
+              <a:tr h="370840">
+                <a:tc>
+                  <a:txBody>
+                    <a:bodyPr/>
+                    <a:lstStyle/>
+                    <a:p>
+                      <a:pPr algn="ctr"/>
+                      <a:r>
+                        <a:rPr lang="en-US" dirty="0" smtClean="0"/>
+                        <a:t>1</a:t>
+                      </a:r>
+                      <a:endParaRPr lang="en-US" dirty="0"/>
+                    </a:p>
+                  </a:txBody>
+                  <a:tcPr/>
+                </a:tc>
+                <a:tc>
+                  <a:txBody>
+                    <a:bodyPr/>
+                    <a:lstStyle/>
+                    <a:p>
+                      <a:pPr algn="ctr"/>
+                      <a:r>
+                        <a:rPr lang="en-US" dirty="0" smtClean="0"/>
+                        <a:t>100.0</a:t>
+                      </a:r>
+                      <a:endParaRPr lang="en-US" dirty="0"/>
+                    </a:p>
+                  </a:txBody>
+                  <a:tcPr/>
+                </a:tc>
+                <a:extLst>
+                  <a:ext uri="{0D108BD9-81ED-4DB2-BD59-A6C34878D82A}">
+                    <a16:rowId xmlns:a16="http://schemas.microsoft.com/office/drawing/2014/main" val="10001"/>
+                  </a:ext>
+                </a:extLst>
+              </a:tr>
+              <a:tr h="370840">
+                <a:tc>
+                  <a:txBody>
+                    <a:bodyPr/>
+                    <a:lstStyle/>
+                    <a:p>
+                      <a:pPr algn="ctr"/>
+                      <a:r>
+                        <a:rPr lang="en-US" dirty="0" smtClean="0"/>
+                        <a:t>2</a:t>
+                      </a:r>
+                      <a:endParaRPr lang="en-US" dirty="0"/>
+                    </a:p>
+                  </a:txBody>
+                  <a:tcPr/>
+                </a:tc>
+                <a:tc>
+                  <a:txBody>
+                    <a:bodyPr/>
+                    <a:lstStyle/>
+                    <a:p>
+                      <a:pPr algn="ctr"/>
+                      <a:r>
+                        <a:rPr lang="en-US" dirty="0" smtClean="0"/>
+                        <a:t>25.0</a:t>
+                      </a:r>
+                      <a:endParaRPr lang="en-US" dirty="0"/>
+                    </a:p>
+                  </a:txBody>
+                  <a:tcPr/>
+                </a:tc>
+                <a:extLst>
+                  <a:ext uri="{0D108BD9-81ED-4DB2-BD59-A6C34878D82A}">
+                    <a16:rowId xmlns:a16="http://schemas.microsoft.com/office/drawing/2014/main" val="10002"/>
+                  </a:ext>
+                </a:extLst>
+              </a:tr>
+              <a:tr h="370840">
+                <a:tc>
+                  <a:txBody>
+                    <a:bodyPr/>
+                    <a:lstStyle/>
+                    <a:p>
+                      <a:pPr algn="ctr"/>
+                      <a:r>
+                        <a:rPr lang="en-US" dirty="0" smtClean="0"/>
+                        <a:t>3</a:t>
+                      </a:r>
+                      <a:endParaRPr lang="en-US" dirty="0"/>
+                    </a:p>
+                  </a:txBody>
+                  <a:tcPr/>
+                </a:tc>
+                <a:tc>
+                  <a:txBody>
+                    <a:bodyPr/>
+                    <a:lstStyle/>
+                    <a:p>
+                      <a:pPr algn="ctr"/>
+                      <a:r>
+                        <a:rPr lang="en-US" dirty="0" smtClean="0"/>
+                        <a:t>11.1</a:t>
+                      </a:r>
+                      <a:endParaRPr lang="en-US" dirty="0"/>
+                    </a:p>
+                  </a:txBody>
+                  <a:tcPr/>
+                </a:tc>
+                <a:extLst>
+                  <a:ext uri="{0D108BD9-81ED-4DB2-BD59-A6C34878D82A}">
+                    <a16:rowId xmlns:a16="http://schemas.microsoft.com/office/drawing/2014/main" val="10003"/>
+                  </a:ext>
+                </a:extLst>
+              </a:tr>
+              <a:tr h="370840">
+                <a:tc>
+                  <a:txBody>
+                    <a:bodyPr/>
+                    <a:lstStyle/>
+                    <a:p>
+                      <a:pPr algn="ctr"/>
+                      <a:r>
+                        <a:rPr lang="en-US" dirty="0" smtClean="0"/>
+                        <a:t>4</a:t>
+                      </a:r>
+                      <a:endParaRPr lang="en-US" dirty="0"/>
+                    </a:p>
+                  </a:txBody>
+                  <a:tcPr/>
+                </a:tc>
+                <a:tc>
+                  <a:txBody>
+                    <a:bodyPr/>
+                    <a:lstStyle/>
+                    <a:p>
+                      <a:pPr algn="ctr"/>
+                      <a:r>
+                        <a:rPr lang="en-US" dirty="0" smtClean="0"/>
+                        <a:t>6.3</a:t>
+                      </a:r>
+                      <a:endParaRPr lang="en-US" dirty="0"/>
+                    </a:p>
+                  </a:txBody>
+                  <a:tcPr/>
+                </a:tc>
+                <a:extLst>
+                  <a:ext uri="{0D108BD9-81ED-4DB2-BD59-A6C34878D82A}">
+                    <a16:rowId xmlns:a16="http://schemas.microsoft.com/office/drawing/2014/main" val="10004"/>
+                  </a:ext>
+                </a:extLst>
+              </a:tr>
+              <a:tr h="370840">
+                <a:tc>
+                  <a:txBody>
+                    <a:bodyPr/>
+                    <a:lstStyle/>
+                    <a:p>
+                      <a:pPr algn="ctr"/>
+                      <a:r>
+                        <a:rPr lang="en-US" dirty="0" smtClean="0"/>
+                        <a:t>5</a:t>
+                      </a:r>
+                      <a:endParaRPr lang="en-US" dirty="0"/>
+                    </a:p>
+                  </a:txBody>
+                  <a:tcPr/>
+                </a:tc>
+                <a:tc>
+                  <a:txBody>
+                    <a:bodyPr/>
+                    <a:lstStyle/>
+                    <a:p>
+                      <a:pPr algn="ctr"/>
+                      <a:r>
+                        <a:rPr lang="en-US" dirty="0" smtClean="0"/>
+                        <a:t>4.0</a:t>
+                      </a:r>
+                      <a:endParaRPr lang="en-US" dirty="0"/>
+                    </a:p>
+                  </a:txBody>
+                  <a:tcPr/>
+                </a:tc>
+                <a:extLst>
+                  <a:ext uri="{0D108BD9-81ED-4DB2-BD59-A6C34878D82A}">
+                    <a16:rowId xmlns:a16="http://schemas.microsoft.com/office/drawing/2014/main" val="10005"/>
+                  </a:ext>
+                </a:extLst>
+              </a:tr>
+            </a:tbl>
+          </a:graphicData>
+        </a:graphic>
+      </p:graphicFrame>
+      <p:sp>
+        <p:nvSpPr>
+          <p:cNvPr id="6" name="TextBox 5"/>
+          <p:cNvSpPr txBox="1"/>
+          <p:nvPr/>
+        </p:nvSpPr>
+        <p:spPr>
+          <a:xfrm>
+            <a:off x="1219200" y="3048000"/>
+            <a:ext cx="506870" cy="584775"/>
+          </a:xfrm>
+          <a:prstGeom prst="rect">
+            <a:avLst/>
+          </a:prstGeom>
+          <a:noFill/>
+        </p:spPr>
+        <p:txBody>
+          <a:bodyPr wrap="none" rtlCol="0">
+            <a:spAutoFit/>
+          </a:bodyPr>
+          <a:lstStyle/>
+          <a:p>
+            <a:r>
+              <a:rPr lang="en-US" sz="3200" dirty="0" smtClean="0"/>
+              <a:t>a)</a:t>
+            </a:r>
+            <a:endParaRPr lang="en-US" sz="3200" dirty="0"/>
+          </a:p>
+        </p:txBody>
+      </p:sp>
+      <p:sp>
+        <p:nvSpPr>
+          <p:cNvPr id="7" name="TextBox 6"/>
+          <p:cNvSpPr txBox="1"/>
+          <p:nvPr/>
+        </p:nvSpPr>
+        <p:spPr>
+          <a:xfrm>
+            <a:off x="4953000" y="3048000"/>
+            <a:ext cx="526106" cy="584775"/>
+          </a:xfrm>
+          <a:prstGeom prst="rect">
+            <a:avLst/>
+          </a:prstGeom>
+          <a:noFill/>
+        </p:spPr>
+        <p:txBody>
+          <a:bodyPr wrap="none" rtlCol="0">
+            <a:spAutoFit/>
+          </a:bodyPr>
+          <a:lstStyle/>
+          <a:p>
+            <a:r>
+              <a:rPr lang="en-US" sz="3200" dirty="0" smtClean="0"/>
+              <a:t>b)</a:t>
+            </a:r>
+            <a:endParaRPr lang="en-US" sz="3200" dirty="0"/>
+          </a:p>
+        </p:txBody>
+      </p:sp>
+    </p:spTree>
+    <p:extLst>
+      <p:ext uri="{BB962C8B-B14F-4D97-AF65-F5344CB8AC3E}">
+        <p14:creationId xmlns:p14="http://schemas.microsoft.com/office/powerpoint/2010/main" val="284257081"/>
+      </p:ext>
+    </p:extLst>
+  </p:cSld>
+  <p:clrMapOvr>
+    <a:masterClrMapping/>
+  </p:clrMapOvr>
+</p:sld>
+</file>
+
+<file path=ppt/slides/slide5.xml><?xml version="1.0" encoding="utf-8"?>
+<p:sld xmlns:a="http://schemas.openxmlformats.org/drawingml/2006/main" xmlns:r="http://schemas.openxmlformats.org/officeDocument/2006/relationships" xmlns:p="http://schemas.openxmlformats.org/presentationml/2006/main">
+  <p:cSld>
+    <p:spTree>
+      <p:nvGrpSpPr>
+        <p:cNvPr id="1" name=""/>
+        <p:cNvGrpSpPr/>
+        <p:nvPr/>
+      </p:nvGrpSpPr>
+      <p:grpSpPr>
+        <a:xfrm>
+          <a:off x="0" y="0"/>
+          <a:ext cx="0" cy="0"/>
+          <a:chOff x="0" y="0"/>
+          <a:chExt cx="0" cy="0"/>
+        </a:xfrm>
+      </p:grpSpPr>
+      <p:sp>
+        <p:nvSpPr>
+          <p:cNvPr id="2" name="Title 1"/>
+          <p:cNvSpPr>
+            <a:spLocks noGrp="1"/>
+          </p:cNvSpPr>
+          <p:nvPr>
+            <p:ph type="title"/>
+          </p:nvPr>
+        </p:nvSpPr>
+        <p:spPr/>
+        <p:txBody>
+          <a:bodyPr/>
+          <a:lstStyle/>
+          <a:p>
+            <a:r>
+              <a:rPr lang="en-US" dirty="0" smtClean="0"/>
+              <a:t>Lab practice Activities</a:t>
+            </a:r>
+            <a:endParaRPr lang="en-US" dirty="0"/>
+          </a:p>
+        </p:txBody>
+      </p:sp>
+      <p:sp>
+        <p:nvSpPr>
+          <p:cNvPr id="3" name="Content Placeholder 2"/>
+          <p:cNvSpPr>
+            <a:spLocks noGrp="1"/>
+          </p:cNvSpPr>
+          <p:nvPr>
+            <p:ph idx="1"/>
+          </p:nvPr>
+        </p:nvSpPr>
+        <p:spPr>
+          <a:xfrm>
+            <a:off x="457200" y="1600201"/>
+            <a:ext cx="8229600" cy="1143000"/>
+          </a:xfrm>
+        </p:spPr>
+        <p:txBody>
+          <a:bodyPr/>
+          <a:lstStyle/>
+          <a:p>
+            <a:pPr marL="514350" indent="-514350">
+              <a:buFont typeface="+mj-lt"/>
+              <a:buAutoNum type="arabicPeriod" startAt="4"/>
+            </a:pPr>
+            <a:r>
+              <a:rPr lang="en-US" dirty="0" smtClean="0"/>
+              <a:t>For each set of data, quickly sketch the graph and determine the relationship.</a:t>
+            </a:r>
+            <a:endParaRPr lang="en-US" dirty="0"/>
+          </a:p>
+        </p:txBody>
+      </p:sp>
+      <p:graphicFrame>
+        <p:nvGraphicFramePr>
+          <p:cNvPr id="4" name="Table 3"/>
+          <p:cNvGraphicFramePr>
+            <a:graphicFrameLocks noGrp="1"/>
+          </p:cNvGraphicFramePr>
           <p:nvPr/>
         </p:nvGraphicFramePr>
         <p:xfrm>
@@ -3317,8 +4436,20 @@
                 <a:tableStyleId>{5940675A-B579-460E-94D1-54222C63F5DA}</a:tableStyleId>
               </a:tblPr>
               <a:tblGrid>
-                <a:gridCol w="952500"/>
-                <a:gridCol w="952500"/>
+                <a:gridCol w="952500">
+                  <a:extLst>
+                    <a:ext uri="{9D8B030D-6E8A-4147-A177-3AD203B41FA5}">
+                      <a16:colId xmlns:a16="http://schemas.microsoft.com/office/drawing/2014/main" val="20000"/>
+                    </a:ext>
+                  </a:extLst>
+                </a:gridCol>
+                <a:gridCol w="952500">
+                  <a:extLst>
+                    <a:ext uri="{9D8B030D-6E8A-4147-A177-3AD203B41FA5}">
+                      <a16:colId xmlns:a16="http://schemas.microsoft.com/office/drawing/2014/main" val="20001"/>
+                    </a:ext>
+                  </a:extLst>
+                </a:gridCol>
               </a:tblGrid>
               <a:tr h="370840">
                 <a:tc>
@@ -3351,6 +4482,11 @@
                   </a:txBody>
                   <a:tcPr/>
                 </a:tc>
+                <a:extLst>
+                  <a:ext uri="{0D108BD9-81ED-4DB2-BD59-A6C34878D82A}">
+                    <a16:rowId xmlns:a16="http://schemas.microsoft.com/office/drawing/2014/main" val="10000"/>
+                  </a:ext>
+                </a:extLst>
               </a:tr>
               <a:tr h="370840">
                 <a:tc>
@@ -3383,6 +4519,11 @@
                   </a:txBody>
                   <a:tcPr/>
                 </a:tc>
+                <a:extLst>
+                  <a:ext uri="{0D108BD9-81ED-4DB2-BD59-A6C34878D82A}">
+                    <a16:rowId xmlns:a16="http://schemas.microsoft.com/office/drawing/2014/main" val="10001"/>
+                  </a:ext>
+                </a:extLst>
               </a:tr>
               <a:tr h="370840">
                 <a:tc>
@@ -3415,6 +4556,11 @@
                   </a:txBody>
                   <a:tcPr/>
                 </a:tc>
+                <a:extLst>
+                  <a:ext uri="{0D108BD9-81ED-4DB2-BD59-A6C34878D82A}">
+                    <a16:rowId xmlns:a16="http://schemas.microsoft.com/office/drawing/2014/main" val="10002"/>
+                  </a:ext>
+                </a:extLst>
               </a:tr>
               <a:tr h="370840">
                 <a:tc>
@@ -3447,6 +4593,11 @@
                   </a:txBody>
                   <a:tcPr/>
                 </a:tc>
+                <a:extLst>
+                  <a:ext uri="{0D108BD9-81ED-4DB2-BD59-A6C34878D82A}">
+                    <a16:rowId xmlns:a16="http://schemas.microsoft.com/office/drawing/2014/main" val="10003"/>
+                  </a:ext>
+                </a:extLst>
               </a:tr>
               <a:tr h="370840">
                 <a:tc>
@@ -3479,6 +4630,11 @@
                   </a:txBody>
                   <a:tcPr/>
                 </a:tc>
+                <a:extLst>
+                  <a:ext uri="{0D108BD9-81ED-4DB2-BD59-A6C34878D82A}">
+                    <a16:rowId xmlns:a16="http://schemas.microsoft.com/office/drawing/2014/main" val="10004"/>
+                  </a:ext>
+                </a:extLst>
               </a:tr>
               <a:tr h="370840">
                 <a:tc>
@@ -3511,6 +4667,11 @@
                   </a:txBody>
                   <a:tcPr/>
                 </a:tc>
+                <a:extLst>
+                  <a:ext uri="{0D108BD9-81ED-4DB2-BD59-A6C34878D82A}">
+                    <a16:rowId xmlns:a16="http://schemas.microsoft.com/office/drawing/2014/main" val="10005"/>
+                  </a:ext>
+                </a:extLst>
               </a:tr>
             </a:tbl>
           </a:graphicData>
@@ -3535,8 +4696,20 @@
                 <a:tableStyleId>{5940675A-B579-460E-94D1-54222C63F5DA}</a:tableStyleId>
               </a:tblPr>
               <a:tblGrid>
-                <a:gridCol w="952500"/>
-                <a:gridCol w="952500"/>
+                <a:gridCol w="952500">
+                  <a:extLst>
+                    <a:ext uri="{9D8B030D-6E8A-4147-A177-3AD203B41FA5}">
+                      <a16:colId xmlns:a16="http://schemas.microsoft.com/office/drawing/2014/main" val="20000"/>
+                    </a:ext>
+                  </a:extLst>
+                </a:gridCol>
+                <a:gridCol w="952500">
+                  <a:extLst>
+                    <a:ext uri="{9D8B030D-6E8A-4147-A177-3AD203B41FA5}">
+                      <a16:colId xmlns:a16="http://schemas.microsoft.com/office/drawing/2014/main" val="20001"/>
+                    </a:ext>
+                  </a:extLst>
+                </a:gridCol>
               </a:tblGrid>
               <a:tr h="370840">
                 <a:tc>
@@ -3569,6 +4742,11 @@
                   </a:txBody>
                   <a:tcPr/>
                 </a:tc>
+                <a:extLst>
+                  <a:ext uri="{0D108BD9-81ED-4DB2-BD59-A6C34878D82A}">
+                    <a16:rowId xmlns:a16="http://schemas.microsoft.com/office/drawing/2014/main" val="10000"/>
+                  </a:ext>
+                </a:extLst>
               </a:tr>
               <a:tr h="370840">
                 <a:tc>
@@ -3601,6 +4779,11 @@
                   </a:txBody>
                   <a:tcPr/>
                 </a:tc>
+                <a:extLst>
+                  <a:ext uri="{0D108BD9-81ED-4DB2-BD59-A6C34878D82A}">
+                    <a16:rowId xmlns:a16="http://schemas.microsoft.com/office/drawing/2014/main" val="10001"/>
+                  </a:ext>
+                </a:extLst>
               </a:tr>
               <a:tr h="370840">
                 <a:tc>
@@ -3633,6 +4816,11 @@
                   </a:txBody>
                   <a:tcPr/>
                 </a:tc>
+                <a:extLst>
+                  <a:ext uri="{0D108BD9-81ED-4DB2-BD59-A6C34878D82A}">
+                    <a16:rowId xmlns:a16="http://schemas.microsoft.com/office/drawing/2014/main" val="10002"/>
+                  </a:ext>
+                </a:extLst>
               </a:tr>
               <a:tr h="370840">
                 <a:tc>
@@ -3665,6 +4853,11 @@
                   </a:txBody>
                   <a:tcPr/>
                 </a:tc>
+                <a:extLst>
+                  <a:ext uri="{0D108BD9-81ED-4DB2-BD59-A6C34878D82A}">
+                    <a16:rowId xmlns:a16="http://schemas.microsoft.com/office/drawing/2014/main" val="10003"/>
+                  </a:ext>
+                </a:extLst>
               </a:tr>
               <a:tr h="370840">
                 <a:tc>
@@ -3697,6 +4890,11 @@
                   </a:txBody>
                   <a:tcPr/>
                 </a:tc>
+                <a:extLst>
+                  <a:ext uri="{0D108BD9-81ED-4DB2-BD59-A6C34878D82A}">
+                    <a16:rowId xmlns:a16="http://schemas.microsoft.com/office/drawing/2014/main" val="10004"/>
+                  </a:ext>
+                </a:extLst>
               </a:tr>
               <a:tr h="370840">
                 <a:tc>
@@ -3729,6 +4927,11 @@
                   </a:txBody>
                   <a:tcPr/>
                 </a:tc>
+                <a:extLst>
+                  <a:ext uri="{0D108BD9-81ED-4DB2-BD59-A6C34878D82A}">
+                    <a16:rowId xmlns:a16="http://schemas.microsoft.com/office/drawing/2014/main" val="10005"/>
+                  </a:ext>
+                </a:extLst>
               </a:tr>
             </a:tbl>
           </a:graphicData>
@@ -3795,6 +4998,11 @@
         </p:txBody>
       </p:sp>
     </p:spTree>
+    <p:extLst>
+      <p:ext uri="{BB962C8B-B14F-4D97-AF65-F5344CB8AC3E}">
+        <p14:creationId xmlns:p14="http://schemas.microsoft.com/office/powerpoint/2010/main" val="1794517196"/>
+      </p:ext>
+    </p:extLst>
   </p:cSld>
   <p:clrMapOvr>
     <a:masterClrMapping/>
